--- a/training-cards/emotional erwachsen/Perception (PER)/ger/apprentice/ger_PER_01_Wertschätzung_EE_A.pptx
+++ b/training-cards/emotional erwachsen/Perception (PER)/ger/apprentice/ger_PER_01_Wertschätzung_EE_A.pptx
@@ -108,6 +108,22 @@
       </a:defRPr>
     </a:lvl9pPr>
   </p:defaultTextStyle>
+  <p:extLst>
+    <p:ext uri="{EFAFB233-063F-42B5-8137-9DF3F51BA10A}">
+      <p15:sldGuideLst xmlns:p15="http://schemas.microsoft.com/office/powerpoint/2012/main">
+        <p15:guide id="1" orient="horz" pos="872">
+          <p15:clr>
+            <a:srgbClr val="A4A3A4"/>
+          </p15:clr>
+        </p15:guide>
+        <p15:guide id="2" pos="718">
+          <p15:clr>
+            <a:srgbClr val="A4A3A4"/>
+          </p15:clr>
+        </p15:guide>
+      </p15:sldGuideLst>
+    </p:ext>
+  </p:extLst>
 </p:presentation>
 </file>
 
@@ -193,7 +209,7 @@
           <a:p>
             <a:fld id="{6E077CBB-2DF5-4D45-BDDD-22DB2684D07E}" type="datetimeFigureOut">
               <a:rPr lang="de-DE" smtClean="0"/>
-              <a:t>15.07.15</a:t>
+              <a:t>04.11.15</a:t>
             </a:fld>
             <a:endParaRPr lang="de-DE"/>
           </a:p>
@@ -969,7 +985,7 @@
           <a:p>
             <a:fld id="{FF5B2BAF-DF38-0A48-A798-0C06E514FD52}" type="datetimeFigureOut">
               <a:rPr lang="de-DE" smtClean="0"/>
-              <a:t>15.07.15</a:t>
+              <a:t>04.11.15</a:t>
             </a:fld>
             <a:endParaRPr lang="de-DE" dirty="0"/>
           </a:p>
@@ -1259,7 +1275,7 @@
           <a:p>
             <a:fld id="{FF5B2BAF-DF38-0A48-A798-0C06E514FD52}" type="datetimeFigureOut">
               <a:rPr lang="de-DE" smtClean="0"/>
-              <a:t>15.07.15</a:t>
+              <a:t>04.11.15</a:t>
             </a:fld>
             <a:endParaRPr lang="de-DE" dirty="0"/>
           </a:p>
@@ -1921,6 +1937,218 @@
           </a:p>
         </p:txBody>
       </p:sp>
+      <p:sp>
+        <p:nvSpPr>
+          <p:cNvPr id="6" name="Untertitel 2"/>
+          <p:cNvSpPr txBox="1">
+            <a:spLocks/>
+          </p:cNvSpPr>
+          <p:nvPr/>
+        </p:nvSpPr>
+        <p:spPr>
+          <a:xfrm>
+            <a:off x="1192733" y="1088690"/>
+            <a:ext cx="5293995" cy="467477"/>
+          </a:xfrm>
+          <a:prstGeom prst="rect">
+            <a:avLst/>
+          </a:prstGeom>
+        </p:spPr>
+        <p:txBody>
+          <a:bodyPr>
+            <a:normAutofit/>
+          </a:bodyPr>
+          <a:lstStyle>
+            <a:lvl1pPr marL="263525" indent="-263525" algn="l" defTabSz="403388" rtl="0" eaLnBrk="1" latinLnBrk="0" hangingPunct="1">
+              <a:lnSpc>
+                <a:spcPct val="150000"/>
+              </a:lnSpc>
+              <a:spcBef>
+                <a:spcPts val="0"/>
+              </a:spcBef>
+              <a:buClr>
+                <a:srgbClr val="229237"/>
+              </a:buClr>
+              <a:buSzPct val="250000"/>
+              <a:buFontTx/>
+              <a:buBlip>
+                <a:blip r:embed="rId2"/>
+              </a:buBlip>
+              <a:defRPr sz="1000" kern="1200">
+                <a:solidFill>
+                  <a:srgbClr val="5D5E5F"/>
+                </a:solidFill>
+                <a:latin typeface="Avenir Light"/>
+                <a:ea typeface="+mn-ea"/>
+                <a:cs typeface="Avenir Light"/>
+              </a:defRPr>
+            </a:lvl1pPr>
+            <a:lvl2pPr marL="630238" indent="-227013" algn="l" defTabSz="403388" rtl="0" eaLnBrk="1" latinLnBrk="0" hangingPunct="1">
+              <a:lnSpc>
+                <a:spcPct val="150000"/>
+              </a:lnSpc>
+              <a:spcBef>
+                <a:spcPts val="0"/>
+              </a:spcBef>
+              <a:buClr>
+                <a:srgbClr val="229237"/>
+              </a:buClr>
+              <a:buSzPct val="250000"/>
+              <a:buFontTx/>
+              <a:buBlip>
+                <a:blip r:embed="rId2"/>
+              </a:buBlip>
+              <a:defRPr sz="1000" kern="1200">
+                <a:solidFill>
+                  <a:srgbClr val="5D5E5F"/>
+                </a:solidFill>
+                <a:latin typeface="Avenir Light"/>
+                <a:ea typeface="+mn-ea"/>
+                <a:cs typeface="Avenir Light"/>
+              </a:defRPr>
+            </a:lvl2pPr>
+            <a:lvl3pPr marL="1008469" indent="-201694" algn="l" defTabSz="403388" rtl="0" eaLnBrk="1" latinLnBrk="0" hangingPunct="1">
+              <a:lnSpc>
+                <a:spcPct val="150000"/>
+              </a:lnSpc>
+              <a:spcBef>
+                <a:spcPts val="0"/>
+              </a:spcBef>
+              <a:buClr>
+                <a:srgbClr val="229237"/>
+              </a:buClr>
+              <a:buSzPct val="250000"/>
+              <a:buFontTx/>
+              <a:buBlip>
+                <a:blip r:embed="rId2"/>
+              </a:buBlip>
+              <a:defRPr sz="1000" kern="1200">
+                <a:solidFill>
+                  <a:srgbClr val="5D5E5F"/>
+                </a:solidFill>
+                <a:latin typeface="Avenir Light"/>
+                <a:ea typeface="+mn-ea"/>
+                <a:cs typeface="Avenir Light"/>
+              </a:defRPr>
+            </a:lvl3pPr>
+            <a:lvl4pPr marL="1411856" indent="-201694" algn="l" defTabSz="403388" rtl="0" eaLnBrk="1" latinLnBrk="0" hangingPunct="1">
+              <a:lnSpc>
+                <a:spcPct val="150000"/>
+              </a:lnSpc>
+              <a:spcBef>
+                <a:spcPts val="0"/>
+              </a:spcBef>
+              <a:buClr>
+                <a:srgbClr val="229237"/>
+              </a:buClr>
+              <a:buSzPct val="250000"/>
+              <a:buFontTx/>
+              <a:buBlip>
+                <a:blip r:embed="rId2"/>
+              </a:buBlip>
+              <a:defRPr sz="1000" kern="1200">
+                <a:solidFill>
+                  <a:srgbClr val="5D5E5F"/>
+                </a:solidFill>
+                <a:latin typeface="Avenir Light"/>
+                <a:ea typeface="+mn-ea"/>
+                <a:cs typeface="Avenir Light"/>
+              </a:defRPr>
+            </a:lvl4pPr>
+            <a:lvl5pPr marL="1815244" indent="-201694" algn="l" defTabSz="403388" rtl="0" eaLnBrk="1" latinLnBrk="0" hangingPunct="1">
+              <a:spcBef>
+                <a:spcPct val="20000"/>
+              </a:spcBef>
+              <a:buClr>
+                <a:srgbClr val="229237"/>
+              </a:buClr>
+              <a:buSzPct val="170000"/>
+              <a:buFontTx/>
+              <a:buBlip>
+                <a:blip r:embed="rId3"/>
+              </a:buBlip>
+              <a:defRPr sz="1000" kern="1200">
+                <a:solidFill>
+                  <a:srgbClr val="5D5E5F"/>
+                </a:solidFill>
+                <a:latin typeface="Avenir Light"/>
+                <a:ea typeface="+mn-ea"/>
+                <a:cs typeface="Avenir Light"/>
+              </a:defRPr>
+            </a:lvl5pPr>
+            <a:lvl6pPr marL="2218632" indent="-201694" algn="l" defTabSz="403388" rtl="0" eaLnBrk="1" latinLnBrk="0" hangingPunct="1">
+              <a:spcBef>
+                <a:spcPct val="20000"/>
+              </a:spcBef>
+              <a:buFont typeface="Arial"/>
+              <a:buChar char="•"/>
+              <a:defRPr sz="1800" kern="1200">
+                <a:solidFill>
+                  <a:schemeClr val="tx1"/>
+                </a:solidFill>
+                <a:latin typeface="+mn-lt"/>
+                <a:ea typeface="+mn-ea"/>
+                <a:cs typeface="+mn-cs"/>
+              </a:defRPr>
+            </a:lvl6pPr>
+            <a:lvl7pPr marL="2622019" indent="-201694" algn="l" defTabSz="403388" rtl="0" eaLnBrk="1" latinLnBrk="0" hangingPunct="1">
+              <a:spcBef>
+                <a:spcPct val="20000"/>
+              </a:spcBef>
+              <a:buFont typeface="Arial"/>
+              <a:buChar char="•"/>
+              <a:defRPr sz="1800" kern="1200">
+                <a:solidFill>
+                  <a:schemeClr val="tx1"/>
+                </a:solidFill>
+                <a:latin typeface="+mn-lt"/>
+                <a:ea typeface="+mn-ea"/>
+                <a:cs typeface="+mn-cs"/>
+              </a:defRPr>
+            </a:lvl7pPr>
+            <a:lvl8pPr marL="3025407" indent="-201694" algn="l" defTabSz="403388" rtl="0" eaLnBrk="1" latinLnBrk="0" hangingPunct="1">
+              <a:spcBef>
+                <a:spcPct val="20000"/>
+              </a:spcBef>
+              <a:buFont typeface="Arial"/>
+              <a:buChar char="•"/>
+              <a:defRPr sz="1800" kern="1200">
+                <a:solidFill>
+                  <a:schemeClr val="tx1"/>
+                </a:solidFill>
+                <a:latin typeface="+mn-lt"/>
+                <a:ea typeface="+mn-ea"/>
+                <a:cs typeface="+mn-cs"/>
+              </a:defRPr>
+            </a:lvl8pPr>
+            <a:lvl9pPr marL="3428794" indent="-201694" algn="l" defTabSz="403388" rtl="0" eaLnBrk="1" latinLnBrk="0" hangingPunct="1">
+              <a:spcBef>
+                <a:spcPct val="20000"/>
+              </a:spcBef>
+              <a:buFont typeface="Arial"/>
+              <a:buChar char="•"/>
+              <a:defRPr sz="1800" kern="1200">
+                <a:solidFill>
+                  <a:schemeClr val="tx1"/>
+                </a:solidFill>
+                <a:latin typeface="+mn-lt"/>
+                <a:ea typeface="+mn-ea"/>
+                <a:cs typeface="+mn-cs"/>
+              </a:defRPr>
+            </a:lvl9pPr>
+          </a:lstStyle>
+          <a:p>
+            <a:pPr marL="0" indent="0">
+              <a:buNone/>
+            </a:pPr>
+            <a:r>
+              <a:rPr lang="de-DE" cap="all" smtClean="0"/>
+              <a:t>Silke Kainzbauer</a:t>
+            </a:r>
+            <a:endParaRPr lang="de-DE" cap="all" dirty="0"/>
+          </a:p>
+        </p:txBody>
+      </p:sp>
     </p:spTree>
     <p:extLst>
       <p:ext uri="{BB962C8B-B14F-4D97-AF65-F5344CB8AC3E}">
@@ -1970,6 +2198,162 @@
           </a:p>
         </p:txBody>
       </p:sp>
+      <p:sp>
+        <p:nvSpPr>
+          <p:cNvPr id="3" name="Textfeld 2"/>
+          <p:cNvSpPr txBox="1"/>
+          <p:nvPr/>
+        </p:nvSpPr>
+        <p:spPr>
+          <a:xfrm>
+            <a:off x="239285" y="4936890"/>
+            <a:ext cx="1044856" cy="276999"/>
+          </a:xfrm>
+          <a:prstGeom prst="rect">
+            <a:avLst/>
+          </a:prstGeom>
+          <a:noFill/>
+        </p:spPr>
+        <p:txBody>
+          <a:bodyPr wrap="square" rtlCol="0">
+            <a:spAutoFit/>
+          </a:bodyPr>
+          <a:lstStyle/>
+          <a:p>
+            <a:r>
+              <a:rPr lang="de-DE" sz="600" dirty="0">
+                <a:solidFill>
+                  <a:srgbClr val="5D5E5F"/>
+                </a:solidFill>
+                <a:latin typeface="Avenir Light"/>
+                <a:cs typeface="Avenir Light"/>
+              </a:rPr>
+              <a:t>Letzte Änderung: </a:t>
+            </a:r>
+            <a:fld id="{7A8C7DAC-E536-564C-B5B3-90E8FAB50562}" type="datetime1">
+              <a:rPr lang="de-DE" sz="600" smtClean="0">
+                <a:solidFill>
+                  <a:srgbClr val="5D5E5F"/>
+                </a:solidFill>
+                <a:latin typeface="Avenir Light"/>
+                <a:cs typeface="Avenir Light"/>
+              </a:rPr>
+              <a:t>04.11.15</a:t>
+            </a:fld>
+            <a:endParaRPr lang="de-DE" sz="600" dirty="0">
+              <a:solidFill>
+                <a:srgbClr val="5D5E5F"/>
+              </a:solidFill>
+              <a:latin typeface="Avenir Light"/>
+              <a:cs typeface="Avenir Light"/>
+            </a:endParaRPr>
+          </a:p>
+        </p:txBody>
+      </p:sp>
+      <p:sp>
+        <p:nvSpPr>
+          <p:cNvPr id="4" name="Shape 7"/>
+          <p:cNvSpPr/>
+          <p:nvPr/>
+        </p:nvSpPr>
+        <p:spPr>
+          <a:xfrm>
+            <a:off x="1683417" y="4952581"/>
+            <a:ext cx="4196016" cy="276995"/>
+          </a:xfrm>
+          <a:prstGeom prst="rect">
+            <a:avLst/>
+          </a:prstGeom>
+          <a:ln w="12700">
+            <a:miter lim="400000"/>
+          </a:ln>
+          <a:extLst>
+            <a:ext uri="{C572A759-6A51-4108-AA02-DFA0A04FC94B}">
+              <ma14:wrappingTextBoxFlag xmlns:ma14="http://schemas.microsoft.com/office/mac/drawingml/2011/main" val="1"/>
+            </a:ext>
+          </a:extLst>
+        </p:spPr>
+        <p:txBody>
+          <a:bodyPr wrap="none" lIns="45718" tIns="45718" rIns="45718" bIns="45718">
+            <a:spAutoFit/>
+          </a:bodyPr>
+          <a:lstStyle/>
+          <a:p>
+            <a:pPr lvl="0" algn="ctr">
+              <a:defRPr sz="1800"/>
+            </a:pPr>
+            <a:r>
+              <a:rPr sz="600" dirty="0">
+                <a:latin typeface="Avenir Light"/>
+                <a:ea typeface="Calibri"/>
+                <a:cs typeface="Avenir Light"/>
+                <a:sym typeface="Calibri"/>
+              </a:rPr>
+              <a:t>This work is licensed under the Creative Commons Attribution-NonCommercial-NoDerivatives 4.0 International License. </a:t>
+            </a:r>
+          </a:p>
+          <a:p>
+            <a:pPr lvl="0" algn="ctr">
+              <a:defRPr sz="1800"/>
+            </a:pPr>
+            <a:r>
+              <a:rPr sz="600" dirty="0">
+                <a:latin typeface="Avenir Light"/>
+                <a:ea typeface="Calibri"/>
+                <a:cs typeface="Avenir Light"/>
+                <a:sym typeface="Calibri"/>
+              </a:rPr>
+              <a:t>To view a copy of this license, visit </a:t>
+            </a:r>
+            <a:r>
+              <a:rPr sz="600" dirty="0">
+                <a:latin typeface="Avenir Light"/>
+                <a:ea typeface="Calibri"/>
+                <a:cs typeface="Avenir Light"/>
+                <a:sym typeface="Calibri"/>
+                <a:hlinkClick r:id="rId2"/>
+              </a:rPr>
+              <a:t>http://creativecommons.org/licenses/by-nc-nd/4.0/</a:t>
+            </a:r>
+            <a:r>
+              <a:rPr sz="600" dirty="0">
+                <a:latin typeface="Avenir Light"/>
+                <a:ea typeface="Calibri"/>
+                <a:cs typeface="Avenir Light"/>
+                <a:sym typeface="Calibri"/>
+              </a:rPr>
+              <a:t>.</a:t>
+            </a:r>
+          </a:p>
+        </p:txBody>
+      </p:sp>
+      <p:pic>
+        <p:nvPicPr>
+          <p:cNvPr id="5" name="pasted-image.tif"/>
+          <p:cNvPicPr/>
+          <p:nvPr/>
+        </p:nvPicPr>
+        <p:blipFill>
+          <a:blip r:embed="rId3">
+            <a:extLst/>
+          </a:blip>
+          <a:stretch>
+            <a:fillRect/>
+          </a:stretch>
+        </p:blipFill>
+        <p:spPr>
+          <a:xfrm>
+            <a:off x="6174185" y="4992838"/>
+            <a:ext cx="886619" cy="214128"/>
+          </a:xfrm>
+          <a:prstGeom prst="rect">
+            <a:avLst/>
+          </a:prstGeom>
+          <a:ln w="12700">
+            <a:miter lim="400000"/>
+          </a:ln>
+        </p:spPr>
+      </p:pic>
     </p:spTree>
     <p:extLst>
       <p:ext uri="{BB962C8B-B14F-4D97-AF65-F5344CB8AC3E}">

--- a/training-cards/emotional erwachsen/Perception (PER)/ger/apprentice/ger_PER_01_Wertschätzung_EE_A.pptx
+++ b/training-cards/emotional erwachsen/Perception (PER)/ger/apprentice/ger_PER_01_Wertschätzung_EE_A.pptx
@@ -110,7 +110,7 @@
   </p:defaultTextStyle>
   <p:extLst>
     <p:ext uri="{EFAFB233-063F-42B5-8137-9DF3F51BA10A}">
-      <p15:sldGuideLst xmlns:p15="http://schemas.microsoft.com/office/powerpoint/2012/main">
+      <p15:sldGuideLst xmlns:p15="http://schemas.microsoft.com/office/powerpoint/2012/main" xmlns="">
         <p15:guide id="1" orient="horz" pos="872">
           <p15:clr>
             <a:srgbClr val="A4A3A4"/>
@@ -209,7 +209,7 @@
           <a:p>
             <a:fld id="{6E077CBB-2DF5-4D45-BDDD-22DB2684D07E}" type="datetimeFigureOut">
               <a:rPr lang="de-DE" smtClean="0"/>
-              <a:t>04.11.15</a:t>
+              <a:t>14.12.15</a:t>
             </a:fld>
             <a:endParaRPr lang="de-DE"/>
           </a:p>
@@ -985,7 +985,7 @@
           <a:p>
             <a:fld id="{FF5B2BAF-DF38-0A48-A798-0C06E514FD52}" type="datetimeFigureOut">
               <a:rPr lang="de-DE" smtClean="0"/>
-              <a:t>04.11.15</a:t>
+              <a:t>14.12.15</a:t>
             </a:fld>
             <a:endParaRPr lang="de-DE" dirty="0"/>
           </a:p>
@@ -1275,7 +1275,7 @@
           <a:p>
             <a:fld id="{FF5B2BAF-DF38-0A48-A798-0C06E514FD52}" type="datetimeFigureOut">
               <a:rPr lang="de-DE" smtClean="0"/>
-              <a:t>04.11.15</a:t>
+              <a:t>14.12.15</a:t>
             </a:fld>
             <a:endParaRPr lang="de-DE" dirty="0"/>
           </a:p>
@@ -1900,40 +1900,33 @@
           <a:lstStyle/>
           <a:p>
             <a:r>
-              <a:rPr lang="de-DE" dirty="0" smtClean="0"/>
+              <a:rPr lang="de-DE" dirty="0"/>
               <a:t>Wertschätzung bedeutet, sich nicht zu schade zu sein, die Welt aus den Augen des anderen zu sehen.</a:t>
             </a:r>
           </a:p>
           <a:p>
             <a:r>
-              <a:rPr lang="de-DE" dirty="0" smtClean="0"/>
-              <a:t>Das schließt ein, dass man sich auf sein Gegenüber einlassen muss, auf dessen Erwartungshaltungen, auf dessen Sicht der Welt.</a:t>
-            </a:r>
-          </a:p>
-          <a:p>
-            <a:r>
-              <a:rPr lang="de-DE" dirty="0" smtClean="0"/>
-              <a:t>Das ist dann besonders schwierig, wenn ich Teile dieses Menschen ablehne oder er negative Gefühle bei mir hervorruft.</a:t>
-            </a:r>
-          </a:p>
-          <a:p>
-            <a:r>
-              <a:rPr lang="de-DE" dirty="0" smtClean="0"/>
-              <a:t>Gerade dann ist es besonders wichtig, hinzuschauen, denn andere Menschen fungieren für mich als Spiegel und weisen mich auf meine Schatten hin, die ich zum Teil kenne, aber häufig auch so grundlegend ablehne, dass sie mir nicht bewusst sind.</a:t>
-            </a:r>
-          </a:p>
-          <a:p>
-            <a:r>
-              <a:rPr lang="de-DE" dirty="0" smtClean="0"/>
-              <a:t>Meine Gefühle sind mir, sie haben mit mir zu tun und auch wenn sie von außen ausgelöst werden, entstehen sie in mir aufgrund meines eigenen Weltbildes und meiner Glaubenssätze. Die anderen Menschen stellen sich quasi als Auslöser zur Verfügung und ermöglichen mir, mich genau kennenzulernen. Ohne die anderen könnte ich mich nicht entdecken.</a:t>
-            </a:r>
-          </a:p>
-          <a:p>
-            <a:r>
-              <a:rPr lang="de-DE" dirty="0" smtClean="0"/>
-              <a:t>In dem ich dem anderen einen Raum gebe in meiner Welt, lasse ich ihn einen echten Teil meines Lebens sein. Ich räume diesem Menschen einen Platz ein, so wie er ist.</a:t>
-            </a:r>
-            <a:endParaRPr lang="de-DE" dirty="0"/>
+              <a:rPr lang="de-DE" dirty="0"/>
+              <a:t>Das geht nur, wenn Du Dich auf Dein Gegenüber einlässt, auf dessen Erwartungshaltungen, auf dessen Sicht der Welt. Das ist dann besonders schwierig, wenn ein Mensch negative Gefühle bei Dir hervorruft.</a:t>
+            </a:r>
+          </a:p>
+          <a:p>
+            <a:r>
+              <a:rPr lang="de-DE" dirty="0"/>
+              <a:t>Am besten kannst Du Wertschätzung deshalb dort trainieren, wo Du an Deine Grenzen kommst, wo Du schlechte Gefühle hast und andere dafür verantwortlich machst, dass sie sie ausgelöst haben: Bei Menschen, die Dich ärgern, aufregen oder verletzen. Die besten Trainingspartner sind Menschen, die Du nicht leiden kannst.</a:t>
+            </a:r>
+          </a:p>
+          <a:p>
+            <a:r>
+              <a:rPr lang="de-DE" dirty="0"/>
+              <a:t>Andere Menschen sind Spiegel für Dich: Alles, was Du an anderen ablehnst, lehnst Du an Dir selbst ab - bewusst oder unbewusst.</a:t>
+            </a:r>
+          </a:p>
+          <a:p>
+            <a:r>
+              <a:rPr lang="de-DE"/>
+              <a:t>In dem Du beginnst, andere wertzuschätzen, fängst Du an, ein Fundament der Wertschätzung für Dich selbst zu einzuziehen und Dich mit allen Deinen Facetten anzunehmen.</a:t>
+            </a:r>
           </a:p>
         </p:txBody>
       </p:sp>
@@ -2194,7 +2187,126 @@
           <a:bodyPr/>
           <a:lstStyle/>
           <a:p>
-            <a:endParaRPr lang="de-DE"/>
+            <a:pPr>
+              <a:lnSpc>
+                <a:spcPts val="1400"/>
+              </a:lnSpc>
+              <a:spcBef>
+                <a:spcPts val="800"/>
+              </a:spcBef>
+            </a:pPr>
+            <a:r>
+              <a:rPr lang="de-DE" dirty="0"/>
+              <a:t>Versuche, diese Momente wahrzunehmen, wenn Dich jemand ärgert oder aufregt oder </a:t>
+            </a:r>
+            <a:br>
+              <a:rPr lang="de-DE" dirty="0"/>
+            </a:br>
+            <a:r>
+              <a:rPr lang="de-DE" dirty="0"/>
+              <a:t>Du spürst, wie Du jemand ablehnst.</a:t>
+            </a:r>
+          </a:p>
+          <a:p>
+            <a:pPr>
+              <a:lnSpc>
+                <a:spcPts val="1400"/>
+              </a:lnSpc>
+              <a:spcBef>
+                <a:spcPts val="800"/>
+              </a:spcBef>
+            </a:pPr>
+            <a:r>
+              <a:rPr lang="de-DE" dirty="0"/>
+              <a:t>Stelle Dir folgende Frage: Gibt es ein kleines Detail, das ich an diesem Menschen gut finde? </a:t>
+            </a:r>
+            <a:br>
+              <a:rPr lang="de-DE" dirty="0"/>
+            </a:br>
+            <a:r>
+              <a:rPr lang="de-DE" dirty="0"/>
+              <a:t>Versuche, etwas zu finden und sei es noch so klein. Wenn Du das in der Situation nicht kannst, </a:t>
+            </a:r>
+            <a:br>
+              <a:rPr lang="de-DE" dirty="0"/>
+            </a:br>
+            <a:r>
+              <a:rPr lang="de-DE" dirty="0"/>
+              <a:t>mache die Übung möglichst kurz danach.</a:t>
+            </a:r>
+          </a:p>
+          <a:p>
+            <a:pPr>
+              <a:lnSpc>
+                <a:spcPts val="1400"/>
+              </a:lnSpc>
+              <a:spcBef>
+                <a:spcPts val="800"/>
+              </a:spcBef>
+            </a:pPr>
+            <a:r>
+              <a:rPr lang="de-DE" dirty="0"/>
+              <a:t>Schreibe in zwei Wochen acht dieser Begegnungen auf und besprich sie mit Deinen Trainingspartnern.</a:t>
+            </a:r>
+          </a:p>
+          <a:p>
+            <a:pPr>
+              <a:lnSpc>
+                <a:spcPts val="1400"/>
+              </a:lnSpc>
+              <a:spcBef>
+                <a:spcPts val="800"/>
+              </a:spcBef>
+            </a:pPr>
+            <a:r>
+              <a:rPr lang="de-DE" dirty="0"/>
+              <a:t>Solltest Du in der Situation emotional zu aufgeladen sein, hilft Dir ein kleiner Trick, </a:t>
+            </a:r>
+            <a:br>
+              <a:rPr lang="de-DE" dirty="0"/>
+            </a:br>
+            <a:r>
+              <a:rPr lang="de-DE" dirty="0"/>
+              <a:t>um Abstand zu gewinnen:</a:t>
+            </a:r>
+            <a:br>
+              <a:rPr lang="de-DE" dirty="0"/>
+            </a:br>
+            <a:r>
+              <a:rPr lang="de-DE" dirty="0"/>
+              <a:t>Stelle Dir vor, dass Dein Gegenüber einen Hirntumor hat, der das Verhalten auslöst und er nicht anders agieren kann. Das hilft Dir, sein Verhalten nicht auf Dich zu beziehen und emotional auszusteigen.</a:t>
+            </a:r>
+            <a:r>
+              <a:rPr lang="de-DE" baseline="30000" dirty="0"/>
+              <a:t>1</a:t>
+            </a:r>
+          </a:p>
+          <a:p>
+            <a:pPr>
+              <a:lnSpc>
+                <a:spcPts val="1400"/>
+              </a:lnSpc>
+              <a:spcBef>
+                <a:spcPts val="800"/>
+              </a:spcBef>
+            </a:pPr>
+            <a:r>
+              <a:rPr lang="de-DE" dirty="0"/>
+              <a:t>Mit diesem Trick kannst Du auch wahrnehmen, wie sehr Deine Gefühle von </a:t>
+            </a:r>
+            <a:br>
+              <a:rPr lang="de-DE" dirty="0"/>
+            </a:br>
+            <a:r>
+              <a:rPr lang="de-DE" dirty="0"/>
+              <a:t>Dir und Deiner ganz persönlichen Interpretation der Welt abhängen.</a:t>
+            </a:r>
+          </a:p>
+          <a:p>
+            <a:pPr marL="0" indent="0">
+              <a:buNone/>
+            </a:pPr>
+            <a:endParaRPr lang="de-DE" dirty="0"/>
           </a:p>
         </p:txBody>
       </p:sp>
@@ -2238,7 +2350,7 @@
                 <a:latin typeface="Avenir Light"/>
                 <a:cs typeface="Avenir Light"/>
               </a:rPr>
-              <a:t>04.11.15</a:t>
+              <a:t>14.12.15</a:t>
             </a:fld>
             <a:endParaRPr lang="de-DE" sz="600" dirty="0">
               <a:solidFill>
@@ -2354,6 +2466,197 @@
           </a:ln>
         </p:spPr>
       </p:pic>
+      <p:sp>
+        <p:nvSpPr>
+          <p:cNvPr id="6" name="Textfeld 5"/>
+          <p:cNvSpPr txBox="1"/>
+          <p:nvPr/>
+        </p:nvSpPr>
+        <p:spPr>
+          <a:xfrm>
+            <a:off x="3325608" y="4615212"/>
+            <a:ext cx="2852229" cy="215444"/>
+          </a:xfrm>
+          <a:prstGeom prst="rect">
+            <a:avLst/>
+          </a:prstGeom>
+          <a:noFill/>
+        </p:spPr>
+        <p:txBody>
+          <a:bodyPr wrap="none" rtlCol="0">
+            <a:spAutoFit/>
+          </a:bodyPr>
+          <a:lstStyle/>
+          <a:p>
+            <a:r>
+              <a:rPr lang="de-DE" sz="800" baseline="30000" dirty="0" smtClean="0">
+                <a:solidFill>
+                  <a:schemeClr val="tx1">
+                    <a:lumMod val="50000"/>
+                    <a:lumOff val="50000"/>
+                  </a:schemeClr>
+                </a:solidFill>
+                <a:latin typeface="Avenir Light"/>
+                <a:cs typeface="Avenir Light"/>
+              </a:rPr>
+              <a:t>1 </a:t>
+            </a:r>
+            <a:r>
+              <a:rPr lang="de-DE" sz="800" dirty="0" smtClean="0">
+                <a:solidFill>
+                  <a:schemeClr val="tx1">
+                    <a:lumMod val="50000"/>
+                    <a:lumOff val="50000"/>
+                  </a:schemeClr>
+                </a:solidFill>
+                <a:latin typeface="Avenir Light"/>
+                <a:cs typeface="Avenir Light"/>
+              </a:rPr>
+              <a:t>Quelle: Maurer, R.(2012): </a:t>
+            </a:r>
+            <a:r>
+              <a:rPr lang="de-DE" sz="800" b="1" dirty="0" smtClean="0">
+                <a:solidFill>
+                  <a:schemeClr val="tx1">
+                    <a:lumMod val="50000"/>
+                    <a:lumOff val="50000"/>
+                  </a:schemeClr>
+                </a:solidFill>
+                <a:latin typeface="Avenir Light"/>
+                <a:cs typeface="Avenir Light"/>
+              </a:rPr>
+              <a:t>The </a:t>
+            </a:r>
+            <a:r>
+              <a:rPr lang="de-DE" sz="800" b="1" dirty="0">
+                <a:solidFill>
+                  <a:schemeClr val="tx1">
+                    <a:lumMod val="50000"/>
+                    <a:lumOff val="50000"/>
+                  </a:schemeClr>
+                </a:solidFill>
+                <a:latin typeface="Avenir Light"/>
+                <a:cs typeface="Avenir Light"/>
+              </a:rPr>
+              <a:t>Spirit </a:t>
+            </a:r>
+            <a:r>
+              <a:rPr lang="de-DE" sz="800" b="1" dirty="0" err="1">
+                <a:solidFill>
+                  <a:schemeClr val="tx1">
+                    <a:lumMod val="50000"/>
+                    <a:lumOff val="50000"/>
+                  </a:schemeClr>
+                </a:solidFill>
+                <a:latin typeface="Avenir Light"/>
+                <a:cs typeface="Avenir Light"/>
+              </a:rPr>
+              <a:t>of</a:t>
+            </a:r>
+            <a:r>
+              <a:rPr lang="de-DE" sz="800" b="1" dirty="0">
+                <a:solidFill>
+                  <a:schemeClr val="tx1">
+                    <a:lumMod val="50000"/>
+                    <a:lumOff val="50000"/>
+                  </a:schemeClr>
+                </a:solidFill>
+                <a:latin typeface="Avenir Light"/>
+                <a:cs typeface="Avenir Light"/>
+              </a:rPr>
+              <a:t> </a:t>
+            </a:r>
+            <a:r>
+              <a:rPr lang="de-DE" sz="800" b="1" dirty="0" err="1" smtClean="0">
+                <a:solidFill>
+                  <a:schemeClr val="tx1">
+                    <a:lumMod val="50000"/>
+                    <a:lumOff val="50000"/>
+                  </a:schemeClr>
+                </a:solidFill>
+                <a:latin typeface="Avenir Light"/>
+                <a:cs typeface="Avenir Light"/>
+              </a:rPr>
+              <a:t>Kaizen</a:t>
+            </a:r>
+            <a:r>
+              <a:rPr lang="de-DE" sz="800" b="1" dirty="0" smtClean="0">
+                <a:solidFill>
+                  <a:schemeClr val="tx1">
+                    <a:lumMod val="50000"/>
+                    <a:lumOff val="50000"/>
+                  </a:schemeClr>
+                </a:solidFill>
+                <a:latin typeface="Avenir Light"/>
+                <a:cs typeface="Avenir Light"/>
+              </a:rPr>
+              <a:t>,</a:t>
+            </a:r>
+            <a:r>
+              <a:rPr lang="de-DE" sz="800" dirty="0">
+                <a:solidFill>
+                  <a:schemeClr val="tx1">
+                    <a:lumMod val="50000"/>
+                    <a:lumOff val="50000"/>
+                  </a:schemeClr>
+                </a:solidFill>
+                <a:latin typeface="Avenir Light"/>
+                <a:cs typeface="Avenir Light"/>
+              </a:rPr>
+              <a:t> </a:t>
+            </a:r>
+            <a:r>
+              <a:rPr lang="de-DE" sz="800" dirty="0" err="1">
+                <a:solidFill>
+                  <a:schemeClr val="tx1">
+                    <a:lumMod val="50000"/>
+                    <a:lumOff val="50000"/>
+                  </a:schemeClr>
+                </a:solidFill>
+                <a:latin typeface="Avenir Light"/>
+                <a:cs typeface="Avenir Light"/>
+              </a:rPr>
+              <a:t>Mcgraw</a:t>
+            </a:r>
+            <a:r>
+              <a:rPr lang="de-DE" sz="800" dirty="0">
+                <a:solidFill>
+                  <a:schemeClr val="tx1">
+                    <a:lumMod val="50000"/>
+                    <a:lumOff val="50000"/>
+                  </a:schemeClr>
+                </a:solidFill>
+                <a:latin typeface="Avenir Light"/>
+                <a:cs typeface="Avenir Light"/>
+              </a:rPr>
+              <a:t>-Hill</a:t>
+            </a:r>
+            <a:r>
+              <a:rPr lang="de-DE" sz="800" b="1" dirty="0" smtClean="0">
+                <a:solidFill>
+                  <a:schemeClr val="tx1">
+                    <a:lumMod val="50000"/>
+                    <a:lumOff val="50000"/>
+                  </a:schemeClr>
+                </a:solidFill>
+                <a:latin typeface="Avenir Light"/>
+                <a:cs typeface="Avenir Light"/>
+              </a:rPr>
+              <a:t> </a:t>
+            </a:r>
+            <a:endParaRPr lang="de-DE" sz="800" b="1" dirty="0">
+              <a:solidFill>
+                <a:schemeClr val="tx1">
+                  <a:lumMod val="50000"/>
+                  <a:lumOff val="50000"/>
+                </a:schemeClr>
+              </a:solidFill>
+              <a:latin typeface="Avenir Light"/>
+              <a:cs typeface="Avenir Light"/>
+            </a:endParaRPr>
+          </a:p>
+        </p:txBody>
+      </p:sp>
     </p:spTree>
     <p:extLst>
       <p:ext uri="{BB962C8B-B14F-4D97-AF65-F5344CB8AC3E}">
